--- a/Week-6-Task/Week-6-Presentation.pptx
+++ b/Week-6-Task/Week-6-Presentation.pptx
@@ -3517,7 +3517,7 @@
           <a:p>
             <a:r>
               <a:rPr lang="en-IN" dirty="0"/>
-              <a:t>06-03-2023</a:t>
+              <a:t>11-03-2023</a:t>
             </a:r>
           </a:p>
         </p:txBody>
@@ -4802,8 +4802,14 @@
           <a:p>
             <a:pPr algn="ctr"/>
             <a:r>
-              <a:rPr lang="en-IN" dirty="0"/>
-              <a:t>LASSO REGRESSION</a:t>
+              <a:rPr lang="en-IN" b="1" dirty="0">
+                <a:solidFill>
+                  <a:schemeClr val="accent1">
+                    <a:lumMod val="50000"/>
+                  </a:schemeClr>
+                </a:solidFill>
+              </a:rPr>
+              <a:t>PERFORMANCE METRICS</a:t>
             </a:r>
           </a:p>
         </p:txBody>

--- a/Week-6-Task/Week-6-Presentation.pptx
+++ b/Week-6-Task/Week-6-Presentation.pptx
@@ -3384,7 +3384,7 @@
               <a:t>LASSO REGRESSION</a:t>
             </a:r>
             <a:br>
-              <a:rPr lang="en-IN" b="1" dirty="0">
+              <a:rPr lang="en-IN" b="1">
                 <a:solidFill>
                   <a:schemeClr val="accent5">
                     <a:lumMod val="50000"/>
@@ -3393,13 +3393,13 @@
               </a:rPr>
             </a:br>
             <a:r>
-              <a:rPr lang="en-IN" sz="3200" b="1" dirty="0">
+              <a:rPr lang="en-IN" sz="3200" b="1">
                 <a:solidFill>
                   <a:srgbClr val="002060"/>
                 </a:solidFill>
                 <a:latin typeface="+mn-lt"/>
               </a:rPr>
-              <a:t>WEEK-5</a:t>
+              <a:t>WEEK-6</a:t>
             </a:r>
             <a:br>
               <a:rPr lang="en-IN" b="1" dirty="0">
